--- a/assets/files/WIDS_Poster_Template.pptx
+++ b/assets/files/WIDS_Poster_Template.pptx
@@ -5,9 +5,9 @@
     <p:sldMasterId id="2147483660" r:id="rId1"/>
   </p:sldMasterIdLst>
   <p:sldIdLst>
-    <p:sldId id="257" r:id="rId2"/>
+    <p:sldId id="256" r:id="rId2"/>
   </p:sldIdLst>
-  <p:sldSz cx="21945600" cy="32918400"/>
+  <p:sldSz cx="32918400" cy="21945600"/>
   <p:notesSz cx="6858000" cy="9144000"/>
   <p:defaultTextStyle>
     <a:defPPr>
@@ -106,7 +106,18 @@
   </p:defaultTextStyle>
   <p:extLst>
     <p:ext uri="{EFAFB233-063F-42B5-8137-9DF3F51BA10A}">
-      <p15:sldGuideLst xmlns:p15="http://schemas.microsoft.com/office/powerpoint/2012/main"/>
+      <p15:sldGuideLst xmlns:p15="http://schemas.microsoft.com/office/powerpoint/2012/main">
+        <p15:guide id="1" orient="horz" pos="6912" userDrawn="1">
+          <p15:clr>
+            <a:srgbClr val="A4A3A4"/>
+          </p15:clr>
+        </p15:guide>
+        <p15:guide id="2" pos="10368" userDrawn="1">
+          <p15:clr>
+            <a:srgbClr val="A4A3A4"/>
+          </p15:clr>
+        </p15:guide>
+      </p15:sldGuideLst>
     </p:ext>
   </p:extLst>
 </p:presentation>
@@ -141,15 +152,15 @@
         </p:nvSpPr>
         <p:spPr>
           <a:xfrm>
-            <a:off x="1645920" y="5387342"/>
-            <a:ext cx="18653760" cy="11460480"/>
+            <a:off x="2468880" y="3591562"/>
+            <a:ext cx="27980640" cy="7640320"/>
           </a:xfrm>
         </p:spPr>
         <p:txBody>
           <a:bodyPr anchor="b"/>
           <a:lstStyle>
             <a:lvl1pPr algn="ctr">
-              <a:defRPr sz="14400"/>
+              <a:defRPr sz="19200"/>
             </a:lvl1pPr>
           </a:lstStyle>
           <a:p>
@@ -173,8 +184,8 @@
         </p:nvSpPr>
         <p:spPr>
           <a:xfrm>
-            <a:off x="2743200" y="17289782"/>
-            <a:ext cx="16459200" cy="7947658"/>
+            <a:off x="4114800" y="11526522"/>
+            <a:ext cx="24688800" cy="5298438"/>
           </a:xfrm>
         </p:spPr>
         <p:txBody>
@@ -182,39 +193,39 @@
           <a:lstStyle>
             <a:lvl1pPr marL="0" indent="0" algn="ctr">
               <a:buNone/>
+              <a:defRPr sz="7680"/>
+            </a:lvl1pPr>
+            <a:lvl2pPr marL="1463040" indent="0" algn="ctr">
+              <a:buNone/>
+              <a:defRPr sz="6400"/>
+            </a:lvl2pPr>
+            <a:lvl3pPr marL="2926080" indent="0" algn="ctr">
+              <a:buNone/>
               <a:defRPr sz="5760"/>
-            </a:lvl1pPr>
-            <a:lvl2pPr marL="1097280" indent="0" algn="ctr">
-              <a:buNone/>
-              <a:defRPr sz="4800"/>
-            </a:lvl2pPr>
-            <a:lvl3pPr marL="2194560" indent="0" algn="ctr">
-              <a:buNone/>
-              <a:defRPr sz="4320"/>
             </a:lvl3pPr>
-            <a:lvl4pPr marL="3291840" indent="0" algn="ctr">
-              <a:buNone/>
-              <a:defRPr sz="3840"/>
+            <a:lvl4pPr marL="4389120" indent="0" algn="ctr">
+              <a:buNone/>
+              <a:defRPr sz="5120"/>
             </a:lvl4pPr>
-            <a:lvl5pPr marL="4389120" indent="0" algn="ctr">
-              <a:buNone/>
-              <a:defRPr sz="3840"/>
+            <a:lvl5pPr marL="5852160" indent="0" algn="ctr">
+              <a:buNone/>
+              <a:defRPr sz="5120"/>
             </a:lvl5pPr>
-            <a:lvl6pPr marL="5486400" indent="0" algn="ctr">
-              <a:buNone/>
-              <a:defRPr sz="3840"/>
+            <a:lvl6pPr marL="7315200" indent="0" algn="ctr">
+              <a:buNone/>
+              <a:defRPr sz="5120"/>
             </a:lvl6pPr>
-            <a:lvl7pPr marL="6583680" indent="0" algn="ctr">
-              <a:buNone/>
-              <a:defRPr sz="3840"/>
+            <a:lvl7pPr marL="8778240" indent="0" algn="ctr">
+              <a:buNone/>
+              <a:defRPr sz="5120"/>
             </a:lvl7pPr>
-            <a:lvl8pPr marL="7680960" indent="0" algn="ctr">
-              <a:buNone/>
-              <a:defRPr sz="3840"/>
+            <a:lvl8pPr marL="10241280" indent="0" algn="ctr">
+              <a:buNone/>
+              <a:defRPr sz="5120"/>
             </a:lvl8pPr>
-            <a:lvl9pPr marL="8778240" indent="0" algn="ctr">
-              <a:buNone/>
-              <a:defRPr sz="3840"/>
+            <a:lvl9pPr marL="11704320" indent="0" algn="ctr">
+              <a:buNone/>
+              <a:defRPr sz="5120"/>
             </a:lvl9pPr>
           </a:lstStyle>
           <a:p>
@@ -241,9 +252,9 @@
           <a:bodyPr/>
           <a:lstStyle/>
           <a:p>
-            <a:fld id="{9C841F1E-2CB0-094A-B110-78047D70D781}" type="datetimeFigureOut">
+            <a:fld id="{137EC407-CC70-3144-B599-80C82529A556}" type="datetimeFigureOut">
               <a:rPr lang="en-US" smtClean="0"/>
-              <a:t>3/31/20</a:t>
+              <a:t>4/7/20</a:t>
             </a:fld>
             <a:endParaRPr lang="en-US"/>
           </a:p>
@@ -283,7 +294,7 @@
           <a:bodyPr/>
           <a:lstStyle/>
           <a:p>
-            <a:fld id="{95C47BA5-8936-A443-B10A-71157A28B996}" type="slidenum">
+            <a:fld id="{5DBE5DCB-2C46-7C40-BA35-A1E7CD8BB2EF}" type="slidenum">
               <a:rPr lang="en-US" smtClean="0"/>
               <a:t>‹#›</a:t>
             </a:fld>
@@ -294,7 +305,7 @@
     </p:spTree>
     <p:extLst>
       <p:ext uri="{BB962C8B-B14F-4D97-AF65-F5344CB8AC3E}">
-        <p14:creationId xmlns:p14="http://schemas.microsoft.com/office/powerpoint/2010/main" val="2417511640"/>
+        <p14:creationId xmlns:p14="http://schemas.microsoft.com/office/powerpoint/2010/main" val="504928278"/>
       </p:ext>
     </p:extLst>
   </p:cSld>
@@ -411,9 +422,9 @@
           <a:bodyPr/>
           <a:lstStyle/>
           <a:p>
-            <a:fld id="{9C841F1E-2CB0-094A-B110-78047D70D781}" type="datetimeFigureOut">
+            <a:fld id="{137EC407-CC70-3144-B599-80C82529A556}" type="datetimeFigureOut">
               <a:rPr lang="en-US" smtClean="0"/>
-              <a:t>3/31/20</a:t>
+              <a:t>4/7/20</a:t>
             </a:fld>
             <a:endParaRPr lang="en-US"/>
           </a:p>
@@ -453,7 +464,7 @@
           <a:bodyPr/>
           <a:lstStyle/>
           <a:p>
-            <a:fld id="{95C47BA5-8936-A443-B10A-71157A28B996}" type="slidenum">
+            <a:fld id="{5DBE5DCB-2C46-7C40-BA35-A1E7CD8BB2EF}" type="slidenum">
               <a:rPr lang="en-US" smtClean="0"/>
               <a:t>‹#›</a:t>
             </a:fld>
@@ -464,7 +475,7 @@
     </p:spTree>
     <p:extLst>
       <p:ext uri="{BB962C8B-B14F-4D97-AF65-F5344CB8AC3E}">
-        <p14:creationId xmlns:p14="http://schemas.microsoft.com/office/powerpoint/2010/main" val="3023841396"/>
+        <p14:creationId xmlns:p14="http://schemas.microsoft.com/office/powerpoint/2010/main" val="317860012"/>
       </p:ext>
     </p:extLst>
   </p:cSld>
@@ -503,8 +514,8 @@
         </p:nvSpPr>
         <p:spPr>
           <a:xfrm>
-            <a:off x="15704821" y="1752600"/>
-            <a:ext cx="4732020" cy="27896822"/>
+            <a:off x="23557232" y="1168400"/>
+            <a:ext cx="7098030" cy="18597882"/>
           </a:xfrm>
         </p:spPr>
         <p:txBody>
@@ -531,8 +542,8 @@
         </p:nvSpPr>
         <p:spPr>
           <a:xfrm>
-            <a:off x="1508761" y="1752600"/>
-            <a:ext cx="13921740" cy="27896822"/>
+            <a:off x="2263142" y="1168400"/>
+            <a:ext cx="20882610" cy="18597882"/>
           </a:xfrm>
         </p:spPr>
         <p:txBody>
@@ -591,9 +602,9 @@
           <a:bodyPr/>
           <a:lstStyle/>
           <a:p>
-            <a:fld id="{9C841F1E-2CB0-094A-B110-78047D70D781}" type="datetimeFigureOut">
+            <a:fld id="{137EC407-CC70-3144-B599-80C82529A556}" type="datetimeFigureOut">
               <a:rPr lang="en-US" smtClean="0"/>
-              <a:t>3/31/20</a:t>
+              <a:t>4/7/20</a:t>
             </a:fld>
             <a:endParaRPr lang="en-US"/>
           </a:p>
@@ -633,7 +644,7 @@
           <a:bodyPr/>
           <a:lstStyle/>
           <a:p>
-            <a:fld id="{95C47BA5-8936-A443-B10A-71157A28B996}" type="slidenum">
+            <a:fld id="{5DBE5DCB-2C46-7C40-BA35-A1E7CD8BB2EF}" type="slidenum">
               <a:rPr lang="en-US" smtClean="0"/>
               <a:t>‹#›</a:t>
             </a:fld>
@@ -644,7 +655,7 @@
     </p:spTree>
     <p:extLst>
       <p:ext uri="{BB962C8B-B14F-4D97-AF65-F5344CB8AC3E}">
-        <p14:creationId xmlns:p14="http://schemas.microsoft.com/office/powerpoint/2010/main" val="128018683"/>
+        <p14:creationId xmlns:p14="http://schemas.microsoft.com/office/powerpoint/2010/main" val="331459788"/>
       </p:ext>
     </p:extLst>
   </p:cSld>
@@ -761,9 +772,9 @@
           <a:bodyPr/>
           <a:lstStyle/>
           <a:p>
-            <a:fld id="{9C841F1E-2CB0-094A-B110-78047D70D781}" type="datetimeFigureOut">
+            <a:fld id="{137EC407-CC70-3144-B599-80C82529A556}" type="datetimeFigureOut">
               <a:rPr lang="en-US" smtClean="0"/>
-              <a:t>3/31/20</a:t>
+              <a:t>4/7/20</a:t>
             </a:fld>
             <a:endParaRPr lang="en-US"/>
           </a:p>
@@ -803,7 +814,7 @@
           <a:bodyPr/>
           <a:lstStyle/>
           <a:p>
-            <a:fld id="{95C47BA5-8936-A443-B10A-71157A28B996}" type="slidenum">
+            <a:fld id="{5DBE5DCB-2C46-7C40-BA35-A1E7CD8BB2EF}" type="slidenum">
               <a:rPr lang="en-US" smtClean="0"/>
               <a:t>‹#›</a:t>
             </a:fld>
@@ -814,7 +825,7 @@
     </p:spTree>
     <p:extLst>
       <p:ext uri="{BB962C8B-B14F-4D97-AF65-F5344CB8AC3E}">
-        <p14:creationId xmlns:p14="http://schemas.microsoft.com/office/powerpoint/2010/main" val="1492593414"/>
+        <p14:creationId xmlns:p14="http://schemas.microsoft.com/office/powerpoint/2010/main" val="1328985653"/>
       </p:ext>
     </p:extLst>
   </p:cSld>
@@ -853,15 +864,15 @@
         </p:nvSpPr>
         <p:spPr>
           <a:xfrm>
-            <a:off x="1497331" y="8206749"/>
-            <a:ext cx="18928080" cy="13693138"/>
+            <a:off x="2245997" y="5471167"/>
+            <a:ext cx="28392120" cy="9128758"/>
           </a:xfrm>
         </p:spPr>
         <p:txBody>
           <a:bodyPr anchor="b"/>
           <a:lstStyle>
             <a:lvl1pPr>
-              <a:defRPr sz="14400"/>
+              <a:defRPr sz="19200"/>
             </a:lvl1pPr>
           </a:lstStyle>
           <a:p>
@@ -885,8 +896,8 @@
         </p:nvSpPr>
         <p:spPr>
           <a:xfrm>
-            <a:off x="1497331" y="22029429"/>
-            <a:ext cx="18928080" cy="7200898"/>
+            <a:off x="2245997" y="14686287"/>
+            <a:ext cx="28392120" cy="4800598"/>
           </a:xfrm>
         </p:spPr>
         <p:txBody>
@@ -894,15 +905,15 @@
           <a:lstStyle>
             <a:lvl1pPr marL="0" indent="0">
               <a:buNone/>
-              <a:defRPr sz="5760">
+              <a:defRPr sz="7680">
                 <a:solidFill>
                   <a:schemeClr val="tx1"/>
                 </a:solidFill>
               </a:defRPr>
             </a:lvl1pPr>
-            <a:lvl2pPr marL="1097280" indent="0">
-              <a:buNone/>
-              <a:defRPr sz="4800">
+            <a:lvl2pPr marL="1463040" indent="0">
+              <a:buNone/>
+              <a:defRPr sz="6400">
                 <a:solidFill>
                   <a:schemeClr val="tx1">
                     <a:tint val="75000"/>
@@ -910,9 +921,9 @@
                 </a:solidFill>
               </a:defRPr>
             </a:lvl2pPr>
-            <a:lvl3pPr marL="2194560" indent="0">
-              <a:buNone/>
-              <a:defRPr sz="4320">
+            <a:lvl3pPr marL="2926080" indent="0">
+              <a:buNone/>
+              <a:defRPr sz="5760">
                 <a:solidFill>
                   <a:schemeClr val="tx1">
                     <a:tint val="75000"/>
@@ -920,9 +931,9 @@
                 </a:solidFill>
               </a:defRPr>
             </a:lvl3pPr>
-            <a:lvl4pPr marL="3291840" indent="0">
-              <a:buNone/>
-              <a:defRPr sz="3840">
+            <a:lvl4pPr marL="4389120" indent="0">
+              <a:buNone/>
+              <a:defRPr sz="5120">
                 <a:solidFill>
                   <a:schemeClr val="tx1">
                     <a:tint val="75000"/>
@@ -930,9 +941,9 @@
                 </a:solidFill>
               </a:defRPr>
             </a:lvl4pPr>
-            <a:lvl5pPr marL="4389120" indent="0">
-              <a:buNone/>
-              <a:defRPr sz="3840">
+            <a:lvl5pPr marL="5852160" indent="0">
+              <a:buNone/>
+              <a:defRPr sz="5120">
                 <a:solidFill>
                   <a:schemeClr val="tx1">
                     <a:tint val="75000"/>
@@ -940,9 +951,9 @@
                 </a:solidFill>
               </a:defRPr>
             </a:lvl5pPr>
-            <a:lvl6pPr marL="5486400" indent="0">
-              <a:buNone/>
-              <a:defRPr sz="3840">
+            <a:lvl6pPr marL="7315200" indent="0">
+              <a:buNone/>
+              <a:defRPr sz="5120">
                 <a:solidFill>
                   <a:schemeClr val="tx1">
                     <a:tint val="75000"/>
@@ -950,9 +961,9 @@
                 </a:solidFill>
               </a:defRPr>
             </a:lvl6pPr>
-            <a:lvl7pPr marL="6583680" indent="0">
-              <a:buNone/>
-              <a:defRPr sz="3840">
+            <a:lvl7pPr marL="8778240" indent="0">
+              <a:buNone/>
+              <a:defRPr sz="5120">
                 <a:solidFill>
                   <a:schemeClr val="tx1">
                     <a:tint val="75000"/>
@@ -960,9 +971,9 @@
                 </a:solidFill>
               </a:defRPr>
             </a:lvl7pPr>
-            <a:lvl8pPr marL="7680960" indent="0">
-              <a:buNone/>
-              <a:defRPr sz="3840">
+            <a:lvl8pPr marL="10241280" indent="0">
+              <a:buNone/>
+              <a:defRPr sz="5120">
                 <a:solidFill>
                   <a:schemeClr val="tx1">
                     <a:tint val="75000"/>
@@ -970,9 +981,9 @@
                 </a:solidFill>
               </a:defRPr>
             </a:lvl8pPr>
-            <a:lvl9pPr marL="8778240" indent="0">
-              <a:buNone/>
-              <a:defRPr sz="3840">
+            <a:lvl9pPr marL="11704320" indent="0">
+              <a:buNone/>
+              <a:defRPr sz="5120">
                 <a:solidFill>
                   <a:schemeClr val="tx1">
                     <a:tint val="75000"/>
@@ -1005,9 +1016,9 @@
           <a:bodyPr/>
           <a:lstStyle/>
           <a:p>
-            <a:fld id="{9C841F1E-2CB0-094A-B110-78047D70D781}" type="datetimeFigureOut">
+            <a:fld id="{137EC407-CC70-3144-B599-80C82529A556}" type="datetimeFigureOut">
               <a:rPr lang="en-US" smtClean="0"/>
-              <a:t>3/31/20</a:t>
+              <a:t>4/7/20</a:t>
             </a:fld>
             <a:endParaRPr lang="en-US"/>
           </a:p>
@@ -1047,7 +1058,7 @@
           <a:bodyPr/>
           <a:lstStyle/>
           <a:p>
-            <a:fld id="{95C47BA5-8936-A443-B10A-71157A28B996}" type="slidenum">
+            <a:fld id="{5DBE5DCB-2C46-7C40-BA35-A1E7CD8BB2EF}" type="slidenum">
               <a:rPr lang="en-US" smtClean="0"/>
               <a:t>‹#›</a:t>
             </a:fld>
@@ -1058,7 +1069,7 @@
     </p:spTree>
     <p:extLst>
       <p:ext uri="{BB962C8B-B14F-4D97-AF65-F5344CB8AC3E}">
-        <p14:creationId xmlns:p14="http://schemas.microsoft.com/office/powerpoint/2010/main" val="3425625269"/>
+        <p14:creationId xmlns:p14="http://schemas.microsoft.com/office/powerpoint/2010/main" val="2330058346"/>
       </p:ext>
     </p:extLst>
   </p:cSld>
@@ -1120,8 +1131,8 @@
         </p:nvSpPr>
         <p:spPr>
           <a:xfrm>
-            <a:off x="1508760" y="8763000"/>
-            <a:ext cx="9326880" cy="20886422"/>
+            <a:off x="2263140" y="5842000"/>
+            <a:ext cx="13990320" cy="13924282"/>
           </a:xfrm>
         </p:spPr>
         <p:txBody>
@@ -1177,8 +1188,8 @@
         </p:nvSpPr>
         <p:spPr>
           <a:xfrm>
-            <a:off x="11109960" y="8763000"/>
-            <a:ext cx="9326880" cy="20886422"/>
+            <a:off x="16664940" y="5842000"/>
+            <a:ext cx="13990320" cy="13924282"/>
           </a:xfrm>
         </p:spPr>
         <p:txBody>
@@ -1237,9 +1248,9 @@
           <a:bodyPr/>
           <a:lstStyle/>
           <a:p>
-            <a:fld id="{9C841F1E-2CB0-094A-B110-78047D70D781}" type="datetimeFigureOut">
+            <a:fld id="{137EC407-CC70-3144-B599-80C82529A556}" type="datetimeFigureOut">
               <a:rPr lang="en-US" smtClean="0"/>
-              <a:t>3/31/20</a:t>
+              <a:t>4/7/20</a:t>
             </a:fld>
             <a:endParaRPr lang="en-US"/>
           </a:p>
@@ -1279,7 +1290,7 @@
           <a:bodyPr/>
           <a:lstStyle/>
           <a:p>
-            <a:fld id="{95C47BA5-8936-A443-B10A-71157A28B996}" type="slidenum">
+            <a:fld id="{5DBE5DCB-2C46-7C40-BA35-A1E7CD8BB2EF}" type="slidenum">
               <a:rPr lang="en-US" smtClean="0"/>
               <a:t>‹#›</a:t>
             </a:fld>
@@ -1290,7 +1301,7 @@
     </p:spTree>
     <p:extLst>
       <p:ext uri="{BB962C8B-B14F-4D97-AF65-F5344CB8AC3E}">
-        <p14:creationId xmlns:p14="http://schemas.microsoft.com/office/powerpoint/2010/main" val="1486259854"/>
+        <p14:creationId xmlns:p14="http://schemas.microsoft.com/office/powerpoint/2010/main" val="3565339679"/>
       </p:ext>
     </p:extLst>
   </p:cSld>
@@ -1329,8 +1340,8 @@
         </p:nvSpPr>
         <p:spPr>
           <a:xfrm>
-            <a:off x="1511618" y="1752607"/>
-            <a:ext cx="18928080" cy="6362702"/>
+            <a:off x="2267428" y="1168405"/>
+            <a:ext cx="28392120" cy="4241802"/>
           </a:xfrm>
         </p:spPr>
         <p:txBody>
@@ -1357,8 +1368,8 @@
         </p:nvSpPr>
         <p:spPr>
           <a:xfrm>
-            <a:off x="1511621" y="8069582"/>
-            <a:ext cx="9284016" cy="3954778"/>
+            <a:off x="2267431" y="5379722"/>
+            <a:ext cx="13926024" cy="2636518"/>
           </a:xfrm>
         </p:spPr>
         <p:txBody>
@@ -1366,39 +1377,39 @@
           <a:lstStyle>
             <a:lvl1pPr marL="0" indent="0">
               <a:buNone/>
+              <a:defRPr sz="7680" b="1"/>
+            </a:lvl1pPr>
+            <a:lvl2pPr marL="1463040" indent="0">
+              <a:buNone/>
+              <a:defRPr sz="6400" b="1"/>
+            </a:lvl2pPr>
+            <a:lvl3pPr marL="2926080" indent="0">
+              <a:buNone/>
               <a:defRPr sz="5760" b="1"/>
-            </a:lvl1pPr>
-            <a:lvl2pPr marL="1097280" indent="0">
-              <a:buNone/>
-              <a:defRPr sz="4800" b="1"/>
-            </a:lvl2pPr>
-            <a:lvl3pPr marL="2194560" indent="0">
-              <a:buNone/>
-              <a:defRPr sz="4320" b="1"/>
             </a:lvl3pPr>
-            <a:lvl4pPr marL="3291840" indent="0">
-              <a:buNone/>
-              <a:defRPr sz="3840" b="1"/>
+            <a:lvl4pPr marL="4389120" indent="0">
+              <a:buNone/>
+              <a:defRPr sz="5120" b="1"/>
             </a:lvl4pPr>
-            <a:lvl5pPr marL="4389120" indent="0">
-              <a:buNone/>
-              <a:defRPr sz="3840" b="1"/>
+            <a:lvl5pPr marL="5852160" indent="0">
+              <a:buNone/>
+              <a:defRPr sz="5120" b="1"/>
             </a:lvl5pPr>
-            <a:lvl6pPr marL="5486400" indent="0">
-              <a:buNone/>
-              <a:defRPr sz="3840" b="1"/>
+            <a:lvl6pPr marL="7315200" indent="0">
+              <a:buNone/>
+              <a:defRPr sz="5120" b="1"/>
             </a:lvl6pPr>
-            <a:lvl7pPr marL="6583680" indent="0">
-              <a:buNone/>
-              <a:defRPr sz="3840" b="1"/>
+            <a:lvl7pPr marL="8778240" indent="0">
+              <a:buNone/>
+              <a:defRPr sz="5120" b="1"/>
             </a:lvl7pPr>
-            <a:lvl8pPr marL="7680960" indent="0">
-              <a:buNone/>
-              <a:defRPr sz="3840" b="1"/>
+            <a:lvl8pPr marL="10241280" indent="0">
+              <a:buNone/>
+              <a:defRPr sz="5120" b="1"/>
             </a:lvl8pPr>
-            <a:lvl9pPr marL="8778240" indent="0">
-              <a:buNone/>
-              <a:defRPr sz="3840" b="1"/>
+            <a:lvl9pPr marL="11704320" indent="0">
+              <a:buNone/>
+              <a:defRPr sz="5120" b="1"/>
             </a:lvl9pPr>
           </a:lstStyle>
           <a:p>
@@ -1422,8 +1433,8 @@
         </p:nvSpPr>
         <p:spPr>
           <a:xfrm>
-            <a:off x="1511621" y="12024360"/>
-            <a:ext cx="9284016" cy="17686022"/>
+            <a:off x="2267431" y="8016240"/>
+            <a:ext cx="13926024" cy="11790682"/>
           </a:xfrm>
         </p:spPr>
         <p:txBody>
@@ -1479,8 +1490,8 @@
         </p:nvSpPr>
         <p:spPr>
           <a:xfrm>
-            <a:off x="11109961" y="8069582"/>
-            <a:ext cx="9329738" cy="3954778"/>
+            <a:off x="16664942" y="5379722"/>
+            <a:ext cx="13994608" cy="2636518"/>
           </a:xfrm>
         </p:spPr>
         <p:txBody>
@@ -1488,39 +1499,39 @@
           <a:lstStyle>
             <a:lvl1pPr marL="0" indent="0">
               <a:buNone/>
+              <a:defRPr sz="7680" b="1"/>
+            </a:lvl1pPr>
+            <a:lvl2pPr marL="1463040" indent="0">
+              <a:buNone/>
+              <a:defRPr sz="6400" b="1"/>
+            </a:lvl2pPr>
+            <a:lvl3pPr marL="2926080" indent="0">
+              <a:buNone/>
               <a:defRPr sz="5760" b="1"/>
-            </a:lvl1pPr>
-            <a:lvl2pPr marL="1097280" indent="0">
-              <a:buNone/>
-              <a:defRPr sz="4800" b="1"/>
-            </a:lvl2pPr>
-            <a:lvl3pPr marL="2194560" indent="0">
-              <a:buNone/>
-              <a:defRPr sz="4320" b="1"/>
             </a:lvl3pPr>
-            <a:lvl4pPr marL="3291840" indent="0">
-              <a:buNone/>
-              <a:defRPr sz="3840" b="1"/>
+            <a:lvl4pPr marL="4389120" indent="0">
+              <a:buNone/>
+              <a:defRPr sz="5120" b="1"/>
             </a:lvl4pPr>
-            <a:lvl5pPr marL="4389120" indent="0">
-              <a:buNone/>
-              <a:defRPr sz="3840" b="1"/>
+            <a:lvl5pPr marL="5852160" indent="0">
+              <a:buNone/>
+              <a:defRPr sz="5120" b="1"/>
             </a:lvl5pPr>
-            <a:lvl6pPr marL="5486400" indent="0">
-              <a:buNone/>
-              <a:defRPr sz="3840" b="1"/>
+            <a:lvl6pPr marL="7315200" indent="0">
+              <a:buNone/>
+              <a:defRPr sz="5120" b="1"/>
             </a:lvl6pPr>
-            <a:lvl7pPr marL="6583680" indent="0">
-              <a:buNone/>
-              <a:defRPr sz="3840" b="1"/>
+            <a:lvl7pPr marL="8778240" indent="0">
+              <a:buNone/>
+              <a:defRPr sz="5120" b="1"/>
             </a:lvl7pPr>
-            <a:lvl8pPr marL="7680960" indent="0">
-              <a:buNone/>
-              <a:defRPr sz="3840" b="1"/>
+            <a:lvl8pPr marL="10241280" indent="0">
+              <a:buNone/>
+              <a:defRPr sz="5120" b="1"/>
             </a:lvl8pPr>
-            <a:lvl9pPr marL="8778240" indent="0">
-              <a:buNone/>
-              <a:defRPr sz="3840" b="1"/>
+            <a:lvl9pPr marL="11704320" indent="0">
+              <a:buNone/>
+              <a:defRPr sz="5120" b="1"/>
             </a:lvl9pPr>
           </a:lstStyle>
           <a:p>
@@ -1544,8 +1555,8 @@
         </p:nvSpPr>
         <p:spPr>
           <a:xfrm>
-            <a:off x="11109961" y="12024360"/>
-            <a:ext cx="9329738" cy="17686022"/>
+            <a:off x="16664942" y="8016240"/>
+            <a:ext cx="13994608" cy="11790682"/>
           </a:xfrm>
         </p:spPr>
         <p:txBody>
@@ -1604,9 +1615,9 @@
           <a:bodyPr/>
           <a:lstStyle/>
           <a:p>
-            <a:fld id="{9C841F1E-2CB0-094A-B110-78047D70D781}" type="datetimeFigureOut">
+            <a:fld id="{137EC407-CC70-3144-B599-80C82529A556}" type="datetimeFigureOut">
               <a:rPr lang="en-US" smtClean="0"/>
-              <a:t>3/31/20</a:t>
+              <a:t>4/7/20</a:t>
             </a:fld>
             <a:endParaRPr lang="en-US"/>
           </a:p>
@@ -1646,7 +1657,7 @@
           <a:bodyPr/>
           <a:lstStyle/>
           <a:p>
-            <a:fld id="{95C47BA5-8936-A443-B10A-71157A28B996}" type="slidenum">
+            <a:fld id="{5DBE5DCB-2C46-7C40-BA35-A1E7CD8BB2EF}" type="slidenum">
               <a:rPr lang="en-US" smtClean="0"/>
               <a:t>‹#›</a:t>
             </a:fld>
@@ -1657,7 +1668,7 @@
     </p:spTree>
     <p:extLst>
       <p:ext uri="{BB962C8B-B14F-4D97-AF65-F5344CB8AC3E}">
-        <p14:creationId xmlns:p14="http://schemas.microsoft.com/office/powerpoint/2010/main" val="123002328"/>
+        <p14:creationId xmlns:p14="http://schemas.microsoft.com/office/powerpoint/2010/main" val="3033697914"/>
       </p:ext>
     </p:extLst>
   </p:cSld>
@@ -1722,9 +1733,9 @@
           <a:bodyPr/>
           <a:lstStyle/>
           <a:p>
-            <a:fld id="{9C841F1E-2CB0-094A-B110-78047D70D781}" type="datetimeFigureOut">
+            <a:fld id="{137EC407-CC70-3144-B599-80C82529A556}" type="datetimeFigureOut">
               <a:rPr lang="en-US" smtClean="0"/>
-              <a:t>3/31/20</a:t>
+              <a:t>4/7/20</a:t>
             </a:fld>
             <a:endParaRPr lang="en-US"/>
           </a:p>
@@ -1764,7 +1775,7 @@
           <a:bodyPr/>
           <a:lstStyle/>
           <a:p>
-            <a:fld id="{95C47BA5-8936-A443-B10A-71157A28B996}" type="slidenum">
+            <a:fld id="{5DBE5DCB-2C46-7C40-BA35-A1E7CD8BB2EF}" type="slidenum">
               <a:rPr lang="en-US" smtClean="0"/>
               <a:t>‹#›</a:t>
             </a:fld>
@@ -1775,7 +1786,7 @@
     </p:spTree>
     <p:extLst>
       <p:ext uri="{BB962C8B-B14F-4D97-AF65-F5344CB8AC3E}">
-        <p14:creationId xmlns:p14="http://schemas.microsoft.com/office/powerpoint/2010/main" val="4111092123"/>
+        <p14:creationId xmlns:p14="http://schemas.microsoft.com/office/powerpoint/2010/main" val="1185470588"/>
       </p:ext>
     </p:extLst>
   </p:cSld>
@@ -1817,9 +1828,9 @@
           <a:bodyPr/>
           <a:lstStyle/>
           <a:p>
-            <a:fld id="{9C841F1E-2CB0-094A-B110-78047D70D781}" type="datetimeFigureOut">
+            <a:fld id="{137EC407-CC70-3144-B599-80C82529A556}" type="datetimeFigureOut">
               <a:rPr lang="en-US" smtClean="0"/>
-              <a:t>3/31/20</a:t>
+              <a:t>4/7/20</a:t>
             </a:fld>
             <a:endParaRPr lang="en-US"/>
           </a:p>
@@ -1859,7 +1870,7 @@
           <a:bodyPr/>
           <a:lstStyle/>
           <a:p>
-            <a:fld id="{95C47BA5-8936-A443-B10A-71157A28B996}" type="slidenum">
+            <a:fld id="{5DBE5DCB-2C46-7C40-BA35-A1E7CD8BB2EF}" type="slidenum">
               <a:rPr lang="en-US" smtClean="0"/>
               <a:t>‹#›</a:t>
             </a:fld>
@@ -1870,7 +1881,7 @@
     </p:spTree>
     <p:extLst>
       <p:ext uri="{BB962C8B-B14F-4D97-AF65-F5344CB8AC3E}">
-        <p14:creationId xmlns:p14="http://schemas.microsoft.com/office/powerpoint/2010/main" val="1748943545"/>
+        <p14:creationId xmlns:p14="http://schemas.microsoft.com/office/powerpoint/2010/main" val="754325882"/>
       </p:ext>
     </p:extLst>
   </p:cSld>
@@ -1909,15 +1920,15 @@
         </p:nvSpPr>
         <p:spPr>
           <a:xfrm>
-            <a:off x="1511619" y="2194560"/>
-            <a:ext cx="7078027" cy="7680960"/>
+            <a:off x="2267428" y="1463040"/>
+            <a:ext cx="10617041" cy="5120640"/>
           </a:xfrm>
         </p:spPr>
         <p:txBody>
           <a:bodyPr anchor="b"/>
           <a:lstStyle>
             <a:lvl1pPr>
-              <a:defRPr sz="7680"/>
+              <a:defRPr sz="10240"/>
             </a:lvl1pPr>
           </a:lstStyle>
           <a:p>
@@ -1941,39 +1952,39 @@
         </p:nvSpPr>
         <p:spPr>
           <a:xfrm>
-            <a:off x="9329738" y="4739647"/>
-            <a:ext cx="11109960" cy="23393400"/>
+            <a:off x="13994608" y="3159765"/>
+            <a:ext cx="16664940" cy="15595600"/>
           </a:xfrm>
         </p:spPr>
         <p:txBody>
           <a:bodyPr/>
           <a:lstStyle>
             <a:lvl1pPr>
-              <a:defRPr sz="7680"/>
+              <a:defRPr sz="10240"/>
             </a:lvl1pPr>
             <a:lvl2pPr>
-              <a:defRPr sz="6720"/>
+              <a:defRPr sz="8960"/>
             </a:lvl2pPr>
             <a:lvl3pPr>
-              <a:defRPr sz="5760"/>
+              <a:defRPr sz="7680"/>
             </a:lvl3pPr>
             <a:lvl4pPr>
-              <a:defRPr sz="4800"/>
+              <a:defRPr sz="6400"/>
             </a:lvl4pPr>
             <a:lvl5pPr>
-              <a:defRPr sz="4800"/>
+              <a:defRPr sz="6400"/>
             </a:lvl5pPr>
             <a:lvl6pPr>
-              <a:defRPr sz="4800"/>
+              <a:defRPr sz="6400"/>
             </a:lvl6pPr>
             <a:lvl7pPr>
-              <a:defRPr sz="4800"/>
+              <a:defRPr sz="6400"/>
             </a:lvl7pPr>
             <a:lvl8pPr>
-              <a:defRPr sz="4800"/>
+              <a:defRPr sz="6400"/>
             </a:lvl8pPr>
             <a:lvl9pPr>
-              <a:defRPr sz="4800"/>
+              <a:defRPr sz="6400"/>
             </a:lvl9pPr>
           </a:lstStyle>
           <a:p>
@@ -2026,8 +2037,8 @@
         </p:nvSpPr>
         <p:spPr>
           <a:xfrm>
-            <a:off x="1511619" y="9875520"/>
-            <a:ext cx="7078027" cy="18295622"/>
+            <a:off x="2267428" y="6583680"/>
+            <a:ext cx="10617041" cy="12197082"/>
           </a:xfrm>
         </p:spPr>
         <p:txBody>
@@ -2035,39 +2046,39 @@
           <a:lstStyle>
             <a:lvl1pPr marL="0" indent="0">
               <a:buNone/>
+              <a:defRPr sz="5120"/>
+            </a:lvl1pPr>
+            <a:lvl2pPr marL="1463040" indent="0">
+              <a:buNone/>
+              <a:defRPr sz="4480"/>
+            </a:lvl2pPr>
+            <a:lvl3pPr marL="2926080" indent="0">
+              <a:buNone/>
               <a:defRPr sz="3840"/>
-            </a:lvl1pPr>
-            <a:lvl2pPr marL="1097280" indent="0">
-              <a:buNone/>
-              <a:defRPr sz="3360"/>
-            </a:lvl2pPr>
-            <a:lvl3pPr marL="2194560" indent="0">
-              <a:buNone/>
-              <a:defRPr sz="2880"/>
             </a:lvl3pPr>
-            <a:lvl4pPr marL="3291840" indent="0">
-              <a:buNone/>
-              <a:defRPr sz="2400"/>
+            <a:lvl4pPr marL="4389120" indent="0">
+              <a:buNone/>
+              <a:defRPr sz="3200"/>
             </a:lvl4pPr>
-            <a:lvl5pPr marL="4389120" indent="0">
-              <a:buNone/>
-              <a:defRPr sz="2400"/>
+            <a:lvl5pPr marL="5852160" indent="0">
+              <a:buNone/>
+              <a:defRPr sz="3200"/>
             </a:lvl5pPr>
-            <a:lvl6pPr marL="5486400" indent="0">
-              <a:buNone/>
-              <a:defRPr sz="2400"/>
+            <a:lvl6pPr marL="7315200" indent="0">
+              <a:buNone/>
+              <a:defRPr sz="3200"/>
             </a:lvl6pPr>
-            <a:lvl7pPr marL="6583680" indent="0">
-              <a:buNone/>
-              <a:defRPr sz="2400"/>
+            <a:lvl7pPr marL="8778240" indent="0">
+              <a:buNone/>
+              <a:defRPr sz="3200"/>
             </a:lvl7pPr>
-            <a:lvl8pPr marL="7680960" indent="0">
-              <a:buNone/>
-              <a:defRPr sz="2400"/>
+            <a:lvl8pPr marL="10241280" indent="0">
+              <a:buNone/>
+              <a:defRPr sz="3200"/>
             </a:lvl8pPr>
-            <a:lvl9pPr marL="8778240" indent="0">
-              <a:buNone/>
-              <a:defRPr sz="2400"/>
+            <a:lvl9pPr marL="11704320" indent="0">
+              <a:buNone/>
+              <a:defRPr sz="3200"/>
             </a:lvl9pPr>
           </a:lstStyle>
           <a:p>
@@ -2094,9 +2105,9 @@
           <a:bodyPr/>
           <a:lstStyle/>
           <a:p>
-            <a:fld id="{9C841F1E-2CB0-094A-B110-78047D70D781}" type="datetimeFigureOut">
+            <a:fld id="{137EC407-CC70-3144-B599-80C82529A556}" type="datetimeFigureOut">
               <a:rPr lang="en-US" smtClean="0"/>
-              <a:t>3/31/20</a:t>
+              <a:t>4/7/20</a:t>
             </a:fld>
             <a:endParaRPr lang="en-US"/>
           </a:p>
@@ -2136,7 +2147,7 @@
           <a:bodyPr/>
           <a:lstStyle/>
           <a:p>
-            <a:fld id="{95C47BA5-8936-A443-B10A-71157A28B996}" type="slidenum">
+            <a:fld id="{5DBE5DCB-2C46-7C40-BA35-A1E7CD8BB2EF}" type="slidenum">
               <a:rPr lang="en-US" smtClean="0"/>
               <a:t>‹#›</a:t>
             </a:fld>
@@ -2147,7 +2158,7 @@
     </p:spTree>
     <p:extLst>
       <p:ext uri="{BB962C8B-B14F-4D97-AF65-F5344CB8AC3E}">
-        <p14:creationId xmlns:p14="http://schemas.microsoft.com/office/powerpoint/2010/main" val="2832586742"/>
+        <p14:creationId xmlns:p14="http://schemas.microsoft.com/office/powerpoint/2010/main" val="368914503"/>
       </p:ext>
     </p:extLst>
   </p:cSld>
@@ -2186,15 +2197,15 @@
         </p:nvSpPr>
         <p:spPr>
           <a:xfrm>
-            <a:off x="1511619" y="2194560"/>
-            <a:ext cx="7078027" cy="7680960"/>
+            <a:off x="2267428" y="1463040"/>
+            <a:ext cx="10617041" cy="5120640"/>
           </a:xfrm>
         </p:spPr>
         <p:txBody>
           <a:bodyPr anchor="b"/>
           <a:lstStyle>
             <a:lvl1pPr>
-              <a:defRPr sz="7680"/>
+              <a:defRPr sz="10240"/>
             </a:lvl1pPr>
           </a:lstStyle>
           <a:p>
@@ -2218,8 +2229,8 @@
         </p:nvSpPr>
         <p:spPr>
           <a:xfrm>
-            <a:off x="9329738" y="4739647"/>
-            <a:ext cx="11109960" cy="23393400"/>
+            <a:off x="13994608" y="3159765"/>
+            <a:ext cx="16664940" cy="15595600"/>
           </a:xfrm>
         </p:spPr>
         <p:txBody>
@@ -2227,39 +2238,39 @@
           <a:lstStyle>
             <a:lvl1pPr marL="0" indent="0">
               <a:buNone/>
+              <a:defRPr sz="10240"/>
+            </a:lvl1pPr>
+            <a:lvl2pPr marL="1463040" indent="0">
+              <a:buNone/>
+              <a:defRPr sz="8960"/>
+            </a:lvl2pPr>
+            <a:lvl3pPr marL="2926080" indent="0">
+              <a:buNone/>
               <a:defRPr sz="7680"/>
-            </a:lvl1pPr>
-            <a:lvl2pPr marL="1097280" indent="0">
-              <a:buNone/>
-              <a:defRPr sz="6720"/>
-            </a:lvl2pPr>
-            <a:lvl3pPr marL="2194560" indent="0">
-              <a:buNone/>
-              <a:defRPr sz="5760"/>
             </a:lvl3pPr>
-            <a:lvl4pPr marL="3291840" indent="0">
-              <a:buNone/>
-              <a:defRPr sz="4800"/>
+            <a:lvl4pPr marL="4389120" indent="0">
+              <a:buNone/>
+              <a:defRPr sz="6400"/>
             </a:lvl4pPr>
-            <a:lvl5pPr marL="4389120" indent="0">
-              <a:buNone/>
-              <a:defRPr sz="4800"/>
+            <a:lvl5pPr marL="5852160" indent="0">
+              <a:buNone/>
+              <a:defRPr sz="6400"/>
             </a:lvl5pPr>
-            <a:lvl6pPr marL="5486400" indent="0">
-              <a:buNone/>
-              <a:defRPr sz="4800"/>
+            <a:lvl6pPr marL="7315200" indent="0">
+              <a:buNone/>
+              <a:defRPr sz="6400"/>
             </a:lvl6pPr>
-            <a:lvl7pPr marL="6583680" indent="0">
-              <a:buNone/>
-              <a:defRPr sz="4800"/>
+            <a:lvl7pPr marL="8778240" indent="0">
+              <a:buNone/>
+              <a:defRPr sz="6400"/>
             </a:lvl7pPr>
-            <a:lvl8pPr marL="7680960" indent="0">
-              <a:buNone/>
-              <a:defRPr sz="4800"/>
+            <a:lvl8pPr marL="10241280" indent="0">
+              <a:buNone/>
+              <a:defRPr sz="6400"/>
             </a:lvl8pPr>
-            <a:lvl9pPr marL="8778240" indent="0">
-              <a:buNone/>
-              <a:defRPr sz="4800"/>
+            <a:lvl9pPr marL="11704320" indent="0">
+              <a:buNone/>
+              <a:defRPr sz="6400"/>
             </a:lvl9pPr>
           </a:lstStyle>
           <a:p>
@@ -2283,8 +2294,8 @@
         </p:nvSpPr>
         <p:spPr>
           <a:xfrm>
-            <a:off x="1511619" y="9875520"/>
-            <a:ext cx="7078027" cy="18295622"/>
+            <a:off x="2267428" y="6583680"/>
+            <a:ext cx="10617041" cy="12197082"/>
           </a:xfrm>
         </p:spPr>
         <p:txBody>
@@ -2292,39 +2303,39 @@
           <a:lstStyle>
             <a:lvl1pPr marL="0" indent="0">
               <a:buNone/>
+              <a:defRPr sz="5120"/>
+            </a:lvl1pPr>
+            <a:lvl2pPr marL="1463040" indent="0">
+              <a:buNone/>
+              <a:defRPr sz="4480"/>
+            </a:lvl2pPr>
+            <a:lvl3pPr marL="2926080" indent="0">
+              <a:buNone/>
               <a:defRPr sz="3840"/>
-            </a:lvl1pPr>
-            <a:lvl2pPr marL="1097280" indent="0">
-              <a:buNone/>
-              <a:defRPr sz="3360"/>
-            </a:lvl2pPr>
-            <a:lvl3pPr marL="2194560" indent="0">
-              <a:buNone/>
-              <a:defRPr sz="2880"/>
             </a:lvl3pPr>
-            <a:lvl4pPr marL="3291840" indent="0">
-              <a:buNone/>
-              <a:defRPr sz="2400"/>
+            <a:lvl4pPr marL="4389120" indent="0">
+              <a:buNone/>
+              <a:defRPr sz="3200"/>
             </a:lvl4pPr>
-            <a:lvl5pPr marL="4389120" indent="0">
-              <a:buNone/>
-              <a:defRPr sz="2400"/>
+            <a:lvl5pPr marL="5852160" indent="0">
+              <a:buNone/>
+              <a:defRPr sz="3200"/>
             </a:lvl5pPr>
-            <a:lvl6pPr marL="5486400" indent="0">
-              <a:buNone/>
-              <a:defRPr sz="2400"/>
+            <a:lvl6pPr marL="7315200" indent="0">
+              <a:buNone/>
+              <a:defRPr sz="3200"/>
             </a:lvl6pPr>
-            <a:lvl7pPr marL="6583680" indent="0">
-              <a:buNone/>
-              <a:defRPr sz="2400"/>
+            <a:lvl7pPr marL="8778240" indent="0">
+              <a:buNone/>
+              <a:defRPr sz="3200"/>
             </a:lvl7pPr>
-            <a:lvl8pPr marL="7680960" indent="0">
-              <a:buNone/>
-              <a:defRPr sz="2400"/>
+            <a:lvl8pPr marL="10241280" indent="0">
+              <a:buNone/>
+              <a:defRPr sz="3200"/>
             </a:lvl8pPr>
-            <a:lvl9pPr marL="8778240" indent="0">
-              <a:buNone/>
-              <a:defRPr sz="2400"/>
+            <a:lvl9pPr marL="11704320" indent="0">
+              <a:buNone/>
+              <a:defRPr sz="3200"/>
             </a:lvl9pPr>
           </a:lstStyle>
           <a:p>
@@ -2351,9 +2362,9 @@
           <a:bodyPr/>
           <a:lstStyle/>
           <a:p>
-            <a:fld id="{9C841F1E-2CB0-094A-B110-78047D70D781}" type="datetimeFigureOut">
+            <a:fld id="{137EC407-CC70-3144-B599-80C82529A556}" type="datetimeFigureOut">
               <a:rPr lang="en-US" smtClean="0"/>
-              <a:t>3/31/20</a:t>
+              <a:t>4/7/20</a:t>
             </a:fld>
             <a:endParaRPr lang="en-US"/>
           </a:p>
@@ -2393,7 +2404,7 @@
           <a:bodyPr/>
           <a:lstStyle/>
           <a:p>
-            <a:fld id="{95C47BA5-8936-A443-B10A-71157A28B996}" type="slidenum">
+            <a:fld id="{5DBE5DCB-2C46-7C40-BA35-A1E7CD8BB2EF}" type="slidenum">
               <a:rPr lang="en-US" smtClean="0"/>
               <a:t>‹#›</a:t>
             </a:fld>
@@ -2404,7 +2415,7 @@
     </p:spTree>
     <p:extLst>
       <p:ext uri="{BB962C8B-B14F-4D97-AF65-F5344CB8AC3E}">
-        <p14:creationId xmlns:p14="http://schemas.microsoft.com/office/powerpoint/2010/main" val="2944092982"/>
+        <p14:creationId xmlns:p14="http://schemas.microsoft.com/office/powerpoint/2010/main" val="3792224677"/>
       </p:ext>
     </p:extLst>
   </p:cSld>
@@ -2448,8 +2459,8 @@
         </p:nvSpPr>
         <p:spPr>
           <a:xfrm>
-            <a:off x="1508760" y="1752607"/>
-            <a:ext cx="18928080" cy="6362702"/>
+            <a:off x="2263140" y="1168405"/>
+            <a:ext cx="28392120" cy="4241802"/>
           </a:xfrm>
           <a:prstGeom prst="rect">
             <a:avLst/>
@@ -2481,8 +2492,8 @@
         </p:nvSpPr>
         <p:spPr>
           <a:xfrm>
-            <a:off x="1508760" y="8763000"/>
-            <a:ext cx="18928080" cy="20886422"/>
+            <a:off x="2263140" y="5842000"/>
+            <a:ext cx="28392120" cy="13924282"/>
           </a:xfrm>
           <a:prstGeom prst="rect">
             <a:avLst/>
@@ -2543,8 +2554,8 @@
         </p:nvSpPr>
         <p:spPr>
           <a:xfrm>
-            <a:off x="1508760" y="30510487"/>
-            <a:ext cx="4937760" cy="1752600"/>
+            <a:off x="2263140" y="20340325"/>
+            <a:ext cx="7406640" cy="1168400"/>
           </a:xfrm>
           <a:prstGeom prst="rect">
             <a:avLst/>
@@ -2554,7 +2565,7 @@
           <a:bodyPr vert="horz" lIns="91440" tIns="45720" rIns="91440" bIns="45720" rtlCol="0" anchor="ctr"/>
           <a:lstStyle>
             <a:lvl1pPr algn="l">
-              <a:defRPr sz="2880">
+              <a:defRPr sz="3840">
                 <a:solidFill>
                   <a:schemeClr val="tx1">
                     <a:tint val="75000"/>
@@ -2564,9 +2575,9 @@
             </a:lvl1pPr>
           </a:lstStyle>
           <a:p>
-            <a:fld id="{9C841F1E-2CB0-094A-B110-78047D70D781}" type="datetimeFigureOut">
+            <a:fld id="{137EC407-CC70-3144-B599-80C82529A556}" type="datetimeFigureOut">
               <a:rPr lang="en-US" smtClean="0"/>
-              <a:t>3/31/20</a:t>
+              <a:t>4/7/20</a:t>
             </a:fld>
             <a:endParaRPr lang="en-US"/>
           </a:p>
@@ -2584,8 +2595,8 @@
         </p:nvSpPr>
         <p:spPr>
           <a:xfrm>
-            <a:off x="7269480" y="30510487"/>
-            <a:ext cx="7406640" cy="1752600"/>
+            <a:off x="10904220" y="20340325"/>
+            <a:ext cx="11109960" cy="1168400"/>
           </a:xfrm>
           <a:prstGeom prst="rect">
             <a:avLst/>
@@ -2595,7 +2606,7 @@
           <a:bodyPr vert="horz" lIns="91440" tIns="45720" rIns="91440" bIns="45720" rtlCol="0" anchor="ctr"/>
           <a:lstStyle>
             <a:lvl1pPr algn="ctr">
-              <a:defRPr sz="2880">
+              <a:defRPr sz="3840">
                 <a:solidFill>
                   <a:schemeClr val="tx1">
                     <a:tint val="75000"/>
@@ -2621,8 +2632,8 @@
         </p:nvSpPr>
         <p:spPr>
           <a:xfrm>
-            <a:off x="15499080" y="30510487"/>
-            <a:ext cx="4937760" cy="1752600"/>
+            <a:off x="23248620" y="20340325"/>
+            <a:ext cx="7406640" cy="1168400"/>
           </a:xfrm>
           <a:prstGeom prst="rect">
             <a:avLst/>
@@ -2632,7 +2643,7 @@
           <a:bodyPr vert="horz" lIns="91440" tIns="45720" rIns="91440" bIns="45720" rtlCol="0" anchor="ctr"/>
           <a:lstStyle>
             <a:lvl1pPr algn="r">
-              <a:defRPr sz="2880">
+              <a:defRPr sz="3840">
                 <a:solidFill>
                   <a:schemeClr val="tx1">
                     <a:tint val="75000"/>
@@ -2642,7 +2653,7 @@
             </a:lvl1pPr>
           </a:lstStyle>
           <a:p>
-            <a:fld id="{95C47BA5-8936-A443-B10A-71157A28B996}" type="slidenum">
+            <a:fld id="{5DBE5DCB-2C46-7C40-BA35-A1E7CD8BB2EF}" type="slidenum">
               <a:rPr lang="en-US" smtClean="0"/>
               <a:t>‹#›</a:t>
             </a:fld>
@@ -2653,7 +2664,7 @@
     </p:spTree>
     <p:extLst>
       <p:ext uri="{BB962C8B-B14F-4D97-AF65-F5344CB8AC3E}">
-        <p14:creationId xmlns:p14="http://schemas.microsoft.com/office/powerpoint/2010/main" val="482854145"/>
+        <p14:creationId xmlns:p14="http://schemas.microsoft.com/office/powerpoint/2010/main" val="2068094158"/>
       </p:ext>
     </p:extLst>
   </p:cSld>
@@ -2673,7 +2684,7 @@
   </p:sldLayoutIdLst>
   <p:txStyles>
     <p:titleStyle>
-      <a:lvl1pPr algn="l" defTabSz="2194560" rtl="0" eaLnBrk="1" latinLnBrk="0" hangingPunct="1">
+      <a:lvl1pPr algn="l" defTabSz="2926080" rtl="0" eaLnBrk="1" latinLnBrk="0" hangingPunct="1">
         <a:lnSpc>
           <a:spcPct val="90000"/>
         </a:lnSpc>
@@ -2681,7 +2692,7 @@
           <a:spcPct val="0"/>
         </a:spcBef>
         <a:buNone/>
-        <a:defRPr sz="10560" kern="1200">
+        <a:defRPr sz="14080" kern="1200">
           <a:solidFill>
             <a:schemeClr val="tx1"/>
           </a:solidFill>
@@ -2692,16 +2703,16 @@
       </a:lvl1pPr>
     </p:titleStyle>
     <p:bodyStyle>
-      <a:lvl1pPr marL="548640" indent="-548640" algn="l" defTabSz="2194560" rtl="0" eaLnBrk="1" latinLnBrk="0" hangingPunct="1">
+      <a:lvl1pPr marL="731520" indent="-731520" algn="l" defTabSz="2926080" rtl="0" eaLnBrk="1" latinLnBrk="0" hangingPunct="1">
         <a:lnSpc>
           <a:spcPct val="90000"/>
         </a:lnSpc>
         <a:spcBef>
-          <a:spcPts val="2400"/>
+          <a:spcPts val="3200"/>
         </a:spcBef>
         <a:buFont typeface="Arial" panose="020B0604020202020204" pitchFamily="34" charset="0"/>
         <a:buChar char="•"/>
-        <a:defRPr sz="6720" kern="1200">
+        <a:defRPr sz="8960" kern="1200">
           <a:solidFill>
             <a:schemeClr val="tx1"/>
           </a:solidFill>
@@ -2710,12 +2721,48 @@
           <a:cs typeface="+mn-cs"/>
         </a:defRPr>
       </a:lvl1pPr>
-      <a:lvl2pPr marL="1645920" indent="-548640" algn="l" defTabSz="2194560" rtl="0" eaLnBrk="1" latinLnBrk="0" hangingPunct="1">
+      <a:lvl2pPr marL="2194560" indent="-731520" algn="l" defTabSz="2926080" rtl="0" eaLnBrk="1" latinLnBrk="0" hangingPunct="1">
         <a:lnSpc>
           <a:spcPct val="90000"/>
         </a:lnSpc>
         <a:spcBef>
-          <a:spcPts val="1200"/>
+          <a:spcPts val="1600"/>
+        </a:spcBef>
+        <a:buFont typeface="Arial" panose="020B0604020202020204" pitchFamily="34" charset="0"/>
+        <a:buChar char="•"/>
+        <a:defRPr sz="7680" kern="1200">
+          <a:solidFill>
+            <a:schemeClr val="tx1"/>
+          </a:solidFill>
+          <a:latin typeface="+mn-lt"/>
+          <a:ea typeface="+mn-ea"/>
+          <a:cs typeface="+mn-cs"/>
+        </a:defRPr>
+      </a:lvl2pPr>
+      <a:lvl3pPr marL="3657600" indent="-731520" algn="l" defTabSz="2926080" rtl="0" eaLnBrk="1" latinLnBrk="0" hangingPunct="1">
+        <a:lnSpc>
+          <a:spcPct val="90000"/>
+        </a:lnSpc>
+        <a:spcBef>
+          <a:spcPts val="1600"/>
+        </a:spcBef>
+        <a:buFont typeface="Arial" panose="020B0604020202020204" pitchFamily="34" charset="0"/>
+        <a:buChar char="•"/>
+        <a:defRPr sz="6400" kern="1200">
+          <a:solidFill>
+            <a:schemeClr val="tx1"/>
+          </a:solidFill>
+          <a:latin typeface="+mn-lt"/>
+          <a:ea typeface="+mn-ea"/>
+          <a:cs typeface="+mn-cs"/>
+        </a:defRPr>
+      </a:lvl3pPr>
+      <a:lvl4pPr marL="5120640" indent="-731520" algn="l" defTabSz="2926080" rtl="0" eaLnBrk="1" latinLnBrk="0" hangingPunct="1">
+        <a:lnSpc>
+          <a:spcPct val="90000"/>
+        </a:lnSpc>
+        <a:spcBef>
+          <a:spcPts val="1600"/>
         </a:spcBef>
         <a:buFont typeface="Arial" panose="020B0604020202020204" pitchFamily="34" charset="0"/>
         <a:buChar char="•"/>
@@ -2727,53 +2774,17 @@
           <a:ea typeface="+mn-ea"/>
           <a:cs typeface="+mn-cs"/>
         </a:defRPr>
-      </a:lvl2pPr>
-      <a:lvl3pPr marL="2743200" indent="-548640" algn="l" defTabSz="2194560" rtl="0" eaLnBrk="1" latinLnBrk="0" hangingPunct="1">
+      </a:lvl4pPr>
+      <a:lvl5pPr marL="6583680" indent="-731520" algn="l" defTabSz="2926080" rtl="0" eaLnBrk="1" latinLnBrk="0" hangingPunct="1">
         <a:lnSpc>
           <a:spcPct val="90000"/>
         </a:lnSpc>
         <a:spcBef>
-          <a:spcPts val="1200"/>
+          <a:spcPts val="1600"/>
         </a:spcBef>
         <a:buFont typeface="Arial" panose="020B0604020202020204" pitchFamily="34" charset="0"/>
         <a:buChar char="•"/>
-        <a:defRPr sz="4800" kern="1200">
-          <a:solidFill>
-            <a:schemeClr val="tx1"/>
-          </a:solidFill>
-          <a:latin typeface="+mn-lt"/>
-          <a:ea typeface="+mn-ea"/>
-          <a:cs typeface="+mn-cs"/>
-        </a:defRPr>
-      </a:lvl3pPr>
-      <a:lvl4pPr marL="3840480" indent="-548640" algn="l" defTabSz="2194560" rtl="0" eaLnBrk="1" latinLnBrk="0" hangingPunct="1">
-        <a:lnSpc>
-          <a:spcPct val="90000"/>
-        </a:lnSpc>
-        <a:spcBef>
-          <a:spcPts val="1200"/>
-        </a:spcBef>
-        <a:buFont typeface="Arial" panose="020B0604020202020204" pitchFamily="34" charset="0"/>
-        <a:buChar char="•"/>
-        <a:defRPr sz="4320" kern="1200">
-          <a:solidFill>
-            <a:schemeClr val="tx1"/>
-          </a:solidFill>
-          <a:latin typeface="+mn-lt"/>
-          <a:ea typeface="+mn-ea"/>
-          <a:cs typeface="+mn-cs"/>
-        </a:defRPr>
-      </a:lvl4pPr>
-      <a:lvl5pPr marL="4937760" indent="-548640" algn="l" defTabSz="2194560" rtl="0" eaLnBrk="1" latinLnBrk="0" hangingPunct="1">
-        <a:lnSpc>
-          <a:spcPct val="90000"/>
-        </a:lnSpc>
-        <a:spcBef>
-          <a:spcPts val="1200"/>
-        </a:spcBef>
-        <a:buFont typeface="Arial" panose="020B0604020202020204" pitchFamily="34" charset="0"/>
-        <a:buChar char="•"/>
-        <a:defRPr sz="4320" kern="1200">
+        <a:defRPr sz="5760" kern="1200">
           <a:solidFill>
             <a:schemeClr val="tx1"/>
           </a:solidFill>
@@ -2782,16 +2793,16 @@
           <a:cs typeface="+mn-cs"/>
         </a:defRPr>
       </a:lvl5pPr>
-      <a:lvl6pPr marL="6035040" indent="-548640" algn="l" defTabSz="2194560" rtl="0" eaLnBrk="1" latinLnBrk="0" hangingPunct="1">
+      <a:lvl6pPr marL="8046720" indent="-731520" algn="l" defTabSz="2926080" rtl="0" eaLnBrk="1" latinLnBrk="0" hangingPunct="1">
         <a:lnSpc>
           <a:spcPct val="90000"/>
         </a:lnSpc>
         <a:spcBef>
-          <a:spcPts val="1200"/>
+          <a:spcPts val="1600"/>
         </a:spcBef>
         <a:buFont typeface="Arial" panose="020B0604020202020204" pitchFamily="34" charset="0"/>
         <a:buChar char="•"/>
-        <a:defRPr sz="4320" kern="1200">
+        <a:defRPr sz="5760" kern="1200">
           <a:solidFill>
             <a:schemeClr val="tx1"/>
           </a:solidFill>
@@ -2800,16 +2811,16 @@
           <a:cs typeface="+mn-cs"/>
         </a:defRPr>
       </a:lvl6pPr>
-      <a:lvl7pPr marL="7132320" indent="-548640" algn="l" defTabSz="2194560" rtl="0" eaLnBrk="1" latinLnBrk="0" hangingPunct="1">
+      <a:lvl7pPr marL="9509760" indent="-731520" algn="l" defTabSz="2926080" rtl="0" eaLnBrk="1" latinLnBrk="0" hangingPunct="1">
         <a:lnSpc>
           <a:spcPct val="90000"/>
         </a:lnSpc>
         <a:spcBef>
-          <a:spcPts val="1200"/>
+          <a:spcPts val="1600"/>
         </a:spcBef>
         <a:buFont typeface="Arial" panose="020B0604020202020204" pitchFamily="34" charset="0"/>
         <a:buChar char="•"/>
-        <a:defRPr sz="4320" kern="1200">
+        <a:defRPr sz="5760" kern="1200">
           <a:solidFill>
             <a:schemeClr val="tx1"/>
           </a:solidFill>
@@ -2818,16 +2829,16 @@
           <a:cs typeface="+mn-cs"/>
         </a:defRPr>
       </a:lvl7pPr>
-      <a:lvl8pPr marL="8229600" indent="-548640" algn="l" defTabSz="2194560" rtl="0" eaLnBrk="1" latinLnBrk="0" hangingPunct="1">
+      <a:lvl8pPr marL="10972800" indent="-731520" algn="l" defTabSz="2926080" rtl="0" eaLnBrk="1" latinLnBrk="0" hangingPunct="1">
         <a:lnSpc>
           <a:spcPct val="90000"/>
         </a:lnSpc>
         <a:spcBef>
-          <a:spcPts val="1200"/>
+          <a:spcPts val="1600"/>
         </a:spcBef>
         <a:buFont typeface="Arial" panose="020B0604020202020204" pitchFamily="34" charset="0"/>
         <a:buChar char="•"/>
-        <a:defRPr sz="4320" kern="1200">
+        <a:defRPr sz="5760" kern="1200">
           <a:solidFill>
             <a:schemeClr val="tx1"/>
           </a:solidFill>
@@ -2836,16 +2847,16 @@
           <a:cs typeface="+mn-cs"/>
         </a:defRPr>
       </a:lvl8pPr>
-      <a:lvl9pPr marL="9326880" indent="-548640" algn="l" defTabSz="2194560" rtl="0" eaLnBrk="1" latinLnBrk="0" hangingPunct="1">
+      <a:lvl9pPr marL="12435840" indent="-731520" algn="l" defTabSz="2926080" rtl="0" eaLnBrk="1" latinLnBrk="0" hangingPunct="1">
         <a:lnSpc>
           <a:spcPct val="90000"/>
         </a:lnSpc>
         <a:spcBef>
-          <a:spcPts val="1200"/>
+          <a:spcPts val="1600"/>
         </a:spcBef>
         <a:buFont typeface="Arial" panose="020B0604020202020204" pitchFamily="34" charset="0"/>
         <a:buChar char="•"/>
-        <a:defRPr sz="4320" kern="1200">
+        <a:defRPr sz="5760" kern="1200">
           <a:solidFill>
             <a:schemeClr val="tx1"/>
           </a:solidFill>
@@ -2859,8 +2870,8 @@
       <a:defPPr>
         <a:defRPr lang="en-US"/>
       </a:defPPr>
-      <a:lvl1pPr marL="0" algn="l" defTabSz="2194560" rtl="0" eaLnBrk="1" latinLnBrk="0" hangingPunct="1">
-        <a:defRPr sz="4320" kern="1200">
+      <a:lvl1pPr marL="0" algn="l" defTabSz="2926080" rtl="0" eaLnBrk="1" latinLnBrk="0" hangingPunct="1">
+        <a:defRPr sz="5760" kern="1200">
           <a:solidFill>
             <a:schemeClr val="tx1"/>
           </a:solidFill>
@@ -2869,8 +2880,8 @@
           <a:cs typeface="+mn-cs"/>
         </a:defRPr>
       </a:lvl1pPr>
-      <a:lvl2pPr marL="1097280" algn="l" defTabSz="2194560" rtl="0" eaLnBrk="1" latinLnBrk="0" hangingPunct="1">
-        <a:defRPr sz="4320" kern="1200">
+      <a:lvl2pPr marL="1463040" algn="l" defTabSz="2926080" rtl="0" eaLnBrk="1" latinLnBrk="0" hangingPunct="1">
+        <a:defRPr sz="5760" kern="1200">
           <a:solidFill>
             <a:schemeClr val="tx1"/>
           </a:solidFill>
@@ -2879,8 +2890,8 @@
           <a:cs typeface="+mn-cs"/>
         </a:defRPr>
       </a:lvl2pPr>
-      <a:lvl3pPr marL="2194560" algn="l" defTabSz="2194560" rtl="0" eaLnBrk="1" latinLnBrk="0" hangingPunct="1">
-        <a:defRPr sz="4320" kern="1200">
+      <a:lvl3pPr marL="2926080" algn="l" defTabSz="2926080" rtl="0" eaLnBrk="1" latinLnBrk="0" hangingPunct="1">
+        <a:defRPr sz="5760" kern="1200">
           <a:solidFill>
             <a:schemeClr val="tx1"/>
           </a:solidFill>
@@ -2889,8 +2900,8 @@
           <a:cs typeface="+mn-cs"/>
         </a:defRPr>
       </a:lvl3pPr>
-      <a:lvl4pPr marL="3291840" algn="l" defTabSz="2194560" rtl="0" eaLnBrk="1" latinLnBrk="0" hangingPunct="1">
-        <a:defRPr sz="4320" kern="1200">
+      <a:lvl4pPr marL="4389120" algn="l" defTabSz="2926080" rtl="0" eaLnBrk="1" latinLnBrk="0" hangingPunct="1">
+        <a:defRPr sz="5760" kern="1200">
           <a:solidFill>
             <a:schemeClr val="tx1"/>
           </a:solidFill>
@@ -2899,8 +2910,8 @@
           <a:cs typeface="+mn-cs"/>
         </a:defRPr>
       </a:lvl4pPr>
-      <a:lvl5pPr marL="4389120" algn="l" defTabSz="2194560" rtl="0" eaLnBrk="1" latinLnBrk="0" hangingPunct="1">
-        <a:defRPr sz="4320" kern="1200">
+      <a:lvl5pPr marL="5852160" algn="l" defTabSz="2926080" rtl="0" eaLnBrk="1" latinLnBrk="0" hangingPunct="1">
+        <a:defRPr sz="5760" kern="1200">
           <a:solidFill>
             <a:schemeClr val="tx1"/>
           </a:solidFill>
@@ -2909,8 +2920,8 @@
           <a:cs typeface="+mn-cs"/>
         </a:defRPr>
       </a:lvl5pPr>
-      <a:lvl6pPr marL="5486400" algn="l" defTabSz="2194560" rtl="0" eaLnBrk="1" latinLnBrk="0" hangingPunct="1">
-        <a:defRPr sz="4320" kern="1200">
+      <a:lvl6pPr marL="7315200" algn="l" defTabSz="2926080" rtl="0" eaLnBrk="1" latinLnBrk="0" hangingPunct="1">
+        <a:defRPr sz="5760" kern="1200">
           <a:solidFill>
             <a:schemeClr val="tx1"/>
           </a:solidFill>
@@ -2919,8 +2930,8 @@
           <a:cs typeface="+mn-cs"/>
         </a:defRPr>
       </a:lvl6pPr>
-      <a:lvl7pPr marL="6583680" algn="l" defTabSz="2194560" rtl="0" eaLnBrk="1" latinLnBrk="0" hangingPunct="1">
-        <a:defRPr sz="4320" kern="1200">
+      <a:lvl7pPr marL="8778240" algn="l" defTabSz="2926080" rtl="0" eaLnBrk="1" latinLnBrk="0" hangingPunct="1">
+        <a:defRPr sz="5760" kern="1200">
           <a:solidFill>
             <a:schemeClr val="tx1"/>
           </a:solidFill>
@@ -2929,8 +2940,8 @@
           <a:cs typeface="+mn-cs"/>
         </a:defRPr>
       </a:lvl7pPr>
-      <a:lvl8pPr marL="7680960" algn="l" defTabSz="2194560" rtl="0" eaLnBrk="1" latinLnBrk="0" hangingPunct="1">
-        <a:defRPr sz="4320" kern="1200">
+      <a:lvl8pPr marL="10241280" algn="l" defTabSz="2926080" rtl="0" eaLnBrk="1" latinLnBrk="0" hangingPunct="1">
+        <a:defRPr sz="5760" kern="1200">
           <a:solidFill>
             <a:schemeClr val="tx1"/>
           </a:solidFill>
@@ -2939,8 +2950,8 @@
           <a:cs typeface="+mn-cs"/>
         </a:defRPr>
       </a:lvl8pPr>
-      <a:lvl9pPr marL="8778240" algn="l" defTabSz="2194560" rtl="0" eaLnBrk="1" latinLnBrk="0" hangingPunct="1">
-        <a:defRPr sz="4320" kern="1200">
+      <a:lvl9pPr marL="11704320" algn="l" defTabSz="2926080" rtl="0" eaLnBrk="1" latinLnBrk="0" hangingPunct="1">
+        <a:defRPr sz="5760" kern="1200">
           <a:solidFill>
             <a:schemeClr val="tx1"/>
           </a:solidFill>
@@ -2973,34 +2984,53 @@
       </p:grpSpPr>
       <p:sp>
         <p:nvSpPr>
-          <p:cNvPr id="2" name="Title 1">
+          <p:cNvPr id="4" name="Title 1">
             <a:extLst>
               <a:ext uri="{FF2B5EF4-FFF2-40B4-BE49-F238E27FC236}">
-                <a16:creationId xmlns:a16="http://schemas.microsoft.com/office/drawing/2014/main" id="{4D06EF29-09D4-914E-B1B9-5D7C09DDF60E}"/>
+                <a16:creationId xmlns:a16="http://schemas.microsoft.com/office/drawing/2014/main" id="{8C41DF79-70C1-7B45-BCE9-1A19BA7916F6}"/>
               </a:ext>
             </a:extLst>
           </p:cNvPr>
-          <p:cNvSpPr>
-            <a:spLocks noGrp="1"/>
-          </p:cNvSpPr>
-          <p:nvPr>
-            <p:ph type="title"/>
-          </p:nvPr>
+          <p:cNvSpPr txBox="1">
+            <a:spLocks/>
+          </p:cNvSpPr>
+          <p:nvPr/>
         </p:nvSpPr>
         <p:spPr>
           <a:xfrm>
-            <a:off x="4687524" y="507482"/>
-            <a:ext cx="15934208" cy="2108403"/>
+            <a:off x="4450456" y="676816"/>
+            <a:ext cx="27858344" cy="2108403"/>
           </a:xfrm>
+          <a:prstGeom prst="rect">
+            <a:avLst/>
+          </a:prstGeom>
         </p:spPr>
         <p:txBody>
-          <a:bodyPr>
+          <a:bodyPr vert="horz" lIns="91440" tIns="45720" rIns="91440" bIns="45720" rtlCol="0" anchor="b">
             <a:normAutofit/>
           </a:bodyPr>
-          <a:lstStyle/>
-          <a:p>
-            <a:r>
-              <a:rPr lang="en-US" sz="5040" dirty="0">
+          <a:lstStyle>
+            <a:lvl1pPr algn="ctr" defTabSz="2926080" rtl="0" eaLnBrk="1" latinLnBrk="0" hangingPunct="1">
+              <a:lnSpc>
+                <a:spcPct val="90000"/>
+              </a:lnSpc>
+              <a:spcBef>
+                <a:spcPct val="0"/>
+              </a:spcBef>
+              <a:buNone/>
+              <a:defRPr sz="19200" kern="1200">
+                <a:solidFill>
+                  <a:schemeClr val="tx1"/>
+                </a:solidFill>
+                <a:latin typeface="+mj-lt"/>
+                <a:ea typeface="+mj-ea"/>
+                <a:cs typeface="+mj-cs"/>
+              </a:defRPr>
+            </a:lvl1pPr>
+          </a:lstStyle>
+          <a:p>
+            <a:r>
+              <a:rPr lang="en-US" sz="6000" dirty="0">
                 <a:cs typeface="KufiStandardGK" pitchFamily="2" charset="-78"/>
               </a:rPr>
               <a:t>&lt;Project Title&gt;</a:t>
@@ -3014,7 +3044,7 @@
               <a:rPr lang="en-US" sz="3600" dirty="0">
                 <a:cs typeface="KufiStandardGK" pitchFamily="2" charset="-78"/>
               </a:rPr>
-              <a:t>&lt;name&gt;, &lt;name&gt;, &lt;name&gt; …</a:t>
+              <a:t>&lt;name&gt;, &lt;name&gt;, &lt;name&gt;</a:t>
             </a:r>
             <a:br>
               <a:rPr lang="en-US" sz="3600" dirty="0">
@@ -3033,10 +3063,10 @@
       </p:sp>
       <p:sp>
         <p:nvSpPr>
-          <p:cNvPr id="9" name="Rectangle 8">
+          <p:cNvPr id="5" name="Rectangle 4">
             <a:extLst>
               <a:ext uri="{FF2B5EF4-FFF2-40B4-BE49-F238E27FC236}">
-                <a16:creationId xmlns:a16="http://schemas.microsoft.com/office/drawing/2014/main" id="{76CD21A8-3D43-CF46-AD41-FA21358F2DF2}"/>
+                <a16:creationId xmlns:a16="http://schemas.microsoft.com/office/drawing/2014/main" id="{B0316B33-0719-794E-80D3-907064DF69D7}"/>
               </a:ext>
             </a:extLst>
           </p:cNvPr>
@@ -3044,9 +3074,9 @@
           <p:nvPr/>
         </p:nvSpPr>
         <p:spPr>
-          <a:xfrm>
-            <a:off x="707924" y="2999346"/>
-            <a:ext cx="20066464" cy="122651"/>
+          <a:xfrm flipV="1">
+            <a:off x="559370" y="3149599"/>
+            <a:ext cx="31799659" cy="86813"/>
           </a:xfrm>
           <a:prstGeom prst="rect">
             <a:avLst/>
@@ -3126,10 +3156,10 @@
       </p:sp>
       <p:sp>
         <p:nvSpPr>
-          <p:cNvPr id="7" name="TextBox 2">
+          <p:cNvPr id="6" name="TextBox 2">
             <a:extLst>
               <a:ext uri="{FF2B5EF4-FFF2-40B4-BE49-F238E27FC236}">
-                <a16:creationId xmlns:a16="http://schemas.microsoft.com/office/drawing/2014/main" id="{E488323B-7E84-C442-8816-5D21FC3EC643}"/>
+                <a16:creationId xmlns:a16="http://schemas.microsoft.com/office/drawing/2014/main" id="{6623F40E-C1C6-E34B-9193-FCBA5F76BCD8}"/>
               </a:ext>
             </a:extLst>
           </p:cNvPr>
@@ -3138,7 +3168,7 @@
         </p:nvSpPr>
         <p:spPr>
           <a:xfrm>
-            <a:off x="15722979" y="377153"/>
+            <a:off x="27102179" y="309420"/>
             <a:ext cx="5510399" cy="369332"/>
           </a:xfrm>
           <a:prstGeom prst="rect">
@@ -3265,19 +3295,17 @@
       </p:sp>
       <p:pic>
         <p:nvPicPr>
-          <p:cNvPr id="10" name="Content Placeholder 9" descr="A picture containing drawing&#10;&#10;Description automatically generated">
+          <p:cNvPr id="7" name="Content Placeholder 9" descr="A picture containing drawing&#10;&#10;Description automatically generated">
             <a:extLst>
               <a:ext uri="{FF2B5EF4-FFF2-40B4-BE49-F238E27FC236}">
-                <a16:creationId xmlns:a16="http://schemas.microsoft.com/office/drawing/2014/main" id="{1BDF4AC5-F2E8-D543-8450-9C53DD0ADE0D}"/>
+                <a16:creationId xmlns:a16="http://schemas.microsoft.com/office/drawing/2014/main" id="{ADA43C41-D3E6-7640-BA32-2CE2E6E172EC}"/>
               </a:ext>
             </a:extLst>
           </p:cNvPr>
           <p:cNvPicPr>
-            <a:picLocks noGrp="1" noChangeAspect="1"/>
+            <a:picLocks noChangeAspect="1"/>
           </p:cNvPicPr>
-          <p:nvPr>
-            <p:ph idx="1"/>
-          </p:nvPr>
+          <p:nvPr/>
         </p:nvPicPr>
         <p:blipFill>
           <a:blip r:embed="rId2"/>
@@ -3287,15 +3315,18 @@
         </p:blipFill>
         <p:spPr>
           <a:xfrm>
-            <a:off x="707924" y="-219949"/>
-            <a:ext cx="3817782" cy="3563263"/>
+            <a:off x="504724" y="378052"/>
+            <a:ext cx="3322209" cy="3100728"/>
           </a:xfrm>
+          <a:prstGeom prst="rect">
+            <a:avLst/>
+          </a:prstGeom>
         </p:spPr>
       </p:pic>
     </p:spTree>
     <p:extLst>
       <p:ext uri="{BB962C8B-B14F-4D97-AF65-F5344CB8AC3E}">
-        <p14:creationId xmlns:p14="http://schemas.microsoft.com/office/powerpoint/2010/main" val="1818436195"/>
+        <p14:creationId xmlns:p14="http://schemas.microsoft.com/office/powerpoint/2010/main" val="1536666290"/>
       </p:ext>
     </p:extLst>
   </p:cSld>
